--- a/PRESENTATION.pptx
+++ b/PRESENTATION.pptx
@@ -16355,8 +16355,8 @@
         </p:nvSpPr>
         <p:spPr>
           <a:xfrm>
-            <a:off x="4795068" y="1278431"/>
-            <a:ext cx="7254039" cy="4462760"/>
+            <a:off x="4796123" y="1249267"/>
+            <a:ext cx="7254039" cy="7245060"/>
           </a:xfrm>
           <a:prstGeom prst="rect">
             <a:avLst/>
@@ -16385,7 +16385,7 @@
               <a:defRPr/>
             </a:pPr>
             <a:r>
-              <a:rPr lang="en-US" sz="1800" b="0" i="0" dirty="0">
+              <a:rPr lang="en-US" sz="1800" dirty="0">
                 <a:ln>
                   <a:solidFill>
                     <a:srgbClr val="404040">
@@ -16401,8 +16401,50 @@
                   </a:outerShdw>
                 </a:effectLst>
               </a:rPr>
-              <a:t>EXAMPLE</a:t>
+              <a:t>Our analysis is that consumer complaints saw very little to no effect from a company's public response. Many of the top issues consumers faced </a:t>
             </a:r>
+            <a:r>
+              <a:rPr lang="en-US" dirty="0">
+                <a:ln>
+                  <a:solidFill>
+                    <a:schemeClr val="bg1">
+                      <a:lumMod val="75000"/>
+                      <a:lumOff val="25000"/>
+                      <a:alpha val="10000"/>
+                    </a:schemeClr>
+                  </a:solidFill>
+                </a:ln>
+                <a:effectLst>
+                  <a:outerShdw blurRad="9525" dist="25400" dir="14640000" algn="tl" rotWithShape="0">
+                    <a:schemeClr val="bg1">
+                      <a:alpha val="30000"/>
+                    </a:schemeClr>
+                  </a:outerShdw>
+                </a:effectLst>
+              </a:rPr>
+              <a:t>were overwhelmingly closed with a non-public response ( a letter in the mail, email, phone call).</a:t>
+            </a:r>
+            <a:endParaRPr lang="en-US" sz="1800" dirty="0">
+              <a:ln>
+                <a:solidFill>
+                  <a:schemeClr val="bg1">
+                    <a:lumMod val="75000"/>
+                    <a:lumOff val="25000"/>
+                    <a:alpha val="10000"/>
+                  </a:schemeClr>
+                </a:solidFill>
+              </a:ln>
+              <a:solidFill>
+                <a:schemeClr val="tx2"/>
+              </a:solidFill>
+              <a:effectLst>
+                <a:outerShdw blurRad="9525" dist="25400" dir="14640000" algn="tl" rotWithShape="0">
+                  <a:schemeClr val="bg1">
+                    <a:alpha val="30000"/>
+                  </a:schemeClr>
+                </a:outerShdw>
+              </a:effectLst>
+            </a:endParaRPr>
           </a:p>
           <a:p>
             <a:pPr marL="342900" indent="-306000">
@@ -16421,12 +16463,21 @@
               <a:defRPr/>
             </a:pPr>
             <a:r>
-              <a:rPr lang="en-US" sz="1800" b="0" i="0" dirty="0">
+              <a:rPr lang="en-US" b="0" i="0" dirty="0">
+                <a:effectLst/>
+                <a:latin typeface="Slack-Lato"/>
+              </a:rPr>
+              <a:t>From the data presented, the issues most frequent with Texas mortgages between 2011 to 2019 were: loan servicing, payments and escrow accounts,</a:t>
+            </a:r>
+            <a:r>
+              <a:rPr lang="en-US" b="0" i="0" dirty="0">
                 <a:ln>
                   <a:solidFill>
-                    <a:srgbClr val="404040">
+                    <a:schemeClr val="bg1">
+                      <a:lumMod val="75000"/>
+                      <a:lumOff val="25000"/>
                       <a:alpha val="10000"/>
-                    </a:srgbClr>
+                    </a:schemeClr>
                   </a:solidFill>
                 </a:ln>
                 <a:effectLst>
@@ -16436,18 +16487,74 @@
                     </a:schemeClr>
                   </a:outerShdw>
                 </a:effectLst>
+                <a:latin typeface="Slack-Lato"/>
               </a:rPr>
               <a:t> </a:t>
+            </a:r>
+            <a:r>
+              <a:rPr lang="en-US" b="0" i="0" dirty="0">
+                <a:ln>
+                  <a:solidFill>
+                    <a:schemeClr val="bg1">
+                      <a:lumMod val="75000"/>
+                      <a:lumOff val="25000"/>
+                      <a:alpha val="10000"/>
+                    </a:schemeClr>
+                  </a:solidFill>
+                </a:ln>
+                <a:solidFill>
+                  <a:schemeClr val="tx2"/>
+                </a:solidFill>
+                <a:effectLst>
+                  <a:outerShdw blurRad="9525" dist="25400" dir="14640000" algn="tl" rotWithShape="0">
+                    <a:schemeClr val="bg1">
+                      <a:alpha val="30000"/>
+                    </a:schemeClr>
+                  </a:outerShdw>
+                </a:effectLst>
+                <a:latin typeface="Slack-Lato"/>
+              </a:rPr>
+              <a:t>and we saw that most companies</a:t>
             </a:r>
             <a:r>
               <a:rPr lang="en-US" dirty="0">
                 <a:ln>
                   <a:solidFill>
-                    <a:srgbClr val="404040">
+                    <a:schemeClr val="bg1">
+                      <a:lumMod val="75000"/>
+                      <a:lumOff val="25000"/>
                       <a:alpha val="10000"/>
-                    </a:srgbClr>
+                    </a:schemeClr>
                   </a:solidFill>
                 </a:ln>
+                <a:solidFill>
+                  <a:schemeClr val="tx2"/>
+                </a:solidFill>
+                <a:effectLst>
+                  <a:outerShdw blurRad="9525" dist="25400" dir="14640000" algn="tl" rotWithShape="0">
+                    <a:schemeClr val="bg1">
+                      <a:alpha val="30000"/>
+                    </a:schemeClr>
+                  </a:outerShdw>
+                </a:effectLst>
+                <a:latin typeface="Slack-Lato"/>
+              </a:rPr>
+              <a:t> </a:t>
+            </a:r>
+            <a:r>
+              <a:rPr lang="en-US" sz="1800" dirty="0">
+                <a:ln>
+                  <a:solidFill>
+                    <a:schemeClr val="bg1">
+                      <a:lumMod val="75000"/>
+                      <a:lumOff val="25000"/>
+                      <a:alpha val="10000"/>
+                    </a:schemeClr>
+                  </a:solidFill>
+                </a:ln>
+                <a:solidFill>
+                  <a:schemeClr val="tx2"/>
+                </a:solidFill>
                 <a:effectLst>
                   <a:outerShdw blurRad="9525" dist="25400" dir="14640000" algn="tl" rotWithShape="0">
                     <a:schemeClr val="bg1">
@@ -16456,43 +16563,8 @@
                   </a:outerShdw>
                 </a:effectLst>
               </a:rPr>
-              <a:t>EXAMPLE</a:t>
+              <a:t>show to have mixed results to handling complaints based on the type of loan consumers obtained.</a:t>
             </a:r>
-            <a:endParaRPr lang="en-US" sz="1800" dirty="0">
-              <a:ln>
-                <a:solidFill>
-                  <a:schemeClr val="bg1">
-                    <a:lumMod val="75000"/>
-                    <a:lumOff val="25000"/>
-                    <a:alpha val="10000"/>
-                  </a:schemeClr>
-                </a:solidFill>
-              </a:ln>
-              <a:effectLst>
-                <a:outerShdw blurRad="9525" dist="25400" dir="14640000" algn="tl" rotWithShape="0">
-                  <a:schemeClr val="bg1">
-                    <a:alpha val="30000"/>
-                  </a:schemeClr>
-                </a:outerShdw>
-              </a:effectLst>
-            </a:endParaRPr>
-          </a:p>
-          <a:p>
-            <a:pPr marL="342900" indent="-306000">
-              <a:spcBef>
-                <a:spcPct val="20000"/>
-              </a:spcBef>
-              <a:spcAft>
-                <a:spcPts val="600"/>
-              </a:spcAft>
-              <a:buClr>
-                <a:srgbClr val="DADADA"/>
-              </a:buClr>
-              <a:buSzPct val="70000"/>
-              <a:buFont typeface="Wingdings 2" charset="2"/>
-              <a:buChar char=""/>
-              <a:defRPr/>
-            </a:pPr>
             <a:endParaRPr lang="en-US" dirty="0">
               <a:ln>
                 <a:solidFill>
@@ -16531,63 +16603,30 @@
               <a:buChar char=""/>
               <a:defRPr/>
             </a:pPr>
-            <a:endParaRPr lang="en-US" sz="1800" dirty="0">
-              <a:ln>
+            <a:r>
+              <a:rPr lang="en-US" dirty="0">
+                <a:ln>
+                  <a:solidFill>
+                    <a:schemeClr val="bg1">
+                      <a:lumMod val="75000"/>
+                      <a:lumOff val="25000"/>
+                      <a:alpha val="10000"/>
+                    </a:schemeClr>
+                  </a:solidFill>
+                </a:ln>
                 <a:solidFill>
-                  <a:schemeClr val="bg1">
-                    <a:lumMod val="75000"/>
-                    <a:lumOff val="25000"/>
-                    <a:alpha val="10000"/>
-                  </a:schemeClr>
+                  <a:schemeClr val="tx2"/>
                 </a:solidFill>
-              </a:ln>
-              <a:solidFill>
-                <a:schemeClr val="tx2"/>
-              </a:solidFill>
-              <a:effectLst>
-                <a:outerShdw blurRad="9525" dist="25400" dir="14640000" algn="tl" rotWithShape="0">
-                  <a:schemeClr val="bg1">
-                    <a:alpha val="30000"/>
-                  </a:schemeClr>
-                </a:outerShdw>
-              </a:effectLst>
-            </a:endParaRPr>
-          </a:p>
-          <a:p>
-            <a:pPr marL="36900">
-              <a:spcBef>
-                <a:spcPct val="20000"/>
-              </a:spcBef>
-              <a:spcAft>
-                <a:spcPts val="600"/>
-              </a:spcAft>
-              <a:buClr>
-                <a:srgbClr val="DADADA"/>
-              </a:buClr>
-              <a:buSzPct val="70000"/>
-              <a:defRPr/>
-            </a:pPr>
-            <a:endParaRPr lang="en-US" dirty="0">
-              <a:ln>
-                <a:solidFill>
-                  <a:schemeClr val="bg1">
-                    <a:lumMod val="75000"/>
-                    <a:lumOff val="25000"/>
-                    <a:alpha val="10000"/>
-                  </a:schemeClr>
-                </a:solidFill>
-              </a:ln>
-              <a:solidFill>
-                <a:schemeClr val="tx2"/>
-              </a:solidFill>
-              <a:effectLst>
-                <a:outerShdw blurRad="9525" dist="25400" dir="14640000" algn="tl" rotWithShape="0">
-                  <a:schemeClr val="bg1">
-                    <a:alpha val="30000"/>
-                  </a:schemeClr>
-                </a:outerShdw>
-              </a:effectLst>
-            </a:endParaRPr>
+                <a:effectLst>
+                  <a:outerShdw blurRad="9525" dist="25400" dir="14640000" algn="tl" rotWithShape="0">
+                    <a:schemeClr val="bg1">
+                      <a:alpha val="30000"/>
+                    </a:schemeClr>
+                  </a:outerShdw>
+                </a:effectLst>
+              </a:rPr>
+              <a:t>Many of the response's companies gave were closed with an explanation which just means companies like Bank of America, Nation Star, and Ocwen Financial gave brief summaries to why or why not a request was approved. Fortunately, enough for consumers according to the Consumer Financial Protection Bureau, companies provided a timely response to 99% of the approximate 800,000 complaints.</a:t>
+            </a:r>
           </a:p>
           <a:p>
             <a:pPr marL="342900" indent="-306000">
@@ -16605,7 +16644,7 @@
               <a:buChar char=""/>
               <a:defRPr/>
             </a:pPr>
-            <a:endParaRPr lang="en-US" sz="1800" dirty="0">
+            <a:endParaRPr lang="en-US" dirty="0">
               <a:ln>
                 <a:solidFill>
                   <a:schemeClr val="bg1">
